--- a/trunk/DOCS/Presentations/27.04.2010.pptx
+++ b/trunk/DOCS/Presentations/27.04.2010.pptx
@@ -5,7 +5,7 @@
     <p:sldMasterId id="2147483660" r:id="rId1"/>
   </p:sldMasterIdLst>
   <p:notesMasterIdLst>
-    <p:notesMasterId r:id="rId16"/>
+    <p:notesMasterId r:id="rId17"/>
   </p:notesMasterIdLst>
   <p:sldIdLst>
     <p:sldId id="256" r:id="rId2"/>
@@ -20,8 +20,9 @@
     <p:sldId id="298" r:id="rId11"/>
     <p:sldId id="301" r:id="rId12"/>
     <p:sldId id="304" r:id="rId13"/>
-    <p:sldId id="303" r:id="rId14"/>
-    <p:sldId id="286" r:id="rId15"/>
+    <p:sldId id="305" r:id="rId14"/>
+    <p:sldId id="303" r:id="rId15"/>
+    <p:sldId id="286" r:id="rId16"/>
   </p:sldIdLst>
   <p:sldSz cx="9144000" cy="6858000" type="screen4x3"/>
   <p:notesSz cx="6858000" cy="9144000"/>
@@ -171,7 +172,7 @@
           <c:xMode val="edge"/>
           <c:yMode val="edge"/>
           <c:x val="0"/>
-          <c:y val="0.11359827304195677"/>
+          <c:y val="0.11359827304195684"/>
           <c:w val="0.62000578971746156"/>
           <c:h val="0.74711514321579364"/>
         </c:manualLayout>
@@ -203,25 +204,25 @@
               <c:strCache>
                 <c:ptCount val="7"/>
                 <c:pt idx="0">
-                  <c:v>Management - 275</c:v>
+                  <c:v>Management - 275 (10%)</c:v>
                 </c:pt>
                 <c:pt idx="1">
-                  <c:v>Prj. Initiation - 30</c:v>
+                  <c:v>Prj. Initiation - 30 (1%)</c:v>
                 </c:pt>
                 <c:pt idx="2">
-                  <c:v>Req. Refinement - 25</c:v>
+                  <c:v>Req. Refinement - 25 (1%)</c:v>
                 </c:pt>
                 <c:pt idx="3">
-                  <c:v>A&amp;D - 200</c:v>
+                  <c:v>A&amp;D - 200 (7%)</c:v>
                 </c:pt>
                 <c:pt idx="4">
-                  <c:v>Implement - 1350</c:v>
+                  <c:v>Implement - 1350 (48%)</c:v>
                 </c:pt>
                 <c:pt idx="5">
-                  <c:v>Test - 500</c:v>
+                  <c:v>Test - 500 (18%)</c:v>
                 </c:pt>
                 <c:pt idx="6">
-                  <c:v>Training - 420</c:v>
+                  <c:v>Training - 420 (15%)</c:v>
                 </c:pt>
               </c:strCache>
             </c:strRef>
@@ -266,7 +267,7 @@
           <c:xMode val="edge"/>
           <c:yMode val="edge"/>
           <c:x val="0.61730803870104467"/>
-          <c:y val="0.24526398874053795"/>
+          <c:y val="0.24526398874053801"/>
           <c:w val="0.36145013123359582"/>
           <c:h val="0.46929076800182584"/>
         </c:manualLayout>
@@ -450,32 +451,29 @@
                 <c:pt idx="6">
                   <c:v>61</c:v>
                 </c:pt>
-                <c:pt idx="7">
-                  <c:v>61</c:v>
-                </c:pt>
               </c:numCache>
             </c:numRef>
           </c:val>
         </c:ser>
         <c:marker val="1"/>
-        <c:axId val="98428416"/>
-        <c:axId val="98429952"/>
+        <c:axId val="38125568"/>
+        <c:axId val="38127104"/>
       </c:lineChart>
       <c:catAx>
-        <c:axId val="98428416"/>
+        <c:axId val="38125568"/>
         <c:scaling>
           <c:orientation val="minMax"/>
         </c:scaling>
         <c:axPos val="b"/>
         <c:tickLblPos val="nextTo"/>
-        <c:crossAx val="98429952"/>
+        <c:crossAx val="38127104"/>
         <c:crosses val="autoZero"/>
         <c:auto val="1"/>
         <c:lblAlgn val="ctr"/>
         <c:lblOffset val="100"/>
       </c:catAx>
       <c:valAx>
-        <c:axId val="98429952"/>
+        <c:axId val="38127104"/>
         <c:scaling>
           <c:orientation val="minMax"/>
         </c:scaling>
@@ -483,7 +481,7 @@
         <c:majorGridlines/>
         <c:numFmt formatCode="General" sourceLinked="1"/>
         <c:tickLblPos val="nextTo"/>
-        <c:crossAx val="98428416"/>
+        <c:crossAx val="38125568"/>
         <c:crosses val="autoZero"/>
         <c:crossBetween val="between"/>
       </c:valAx>
@@ -516,7 +514,7 @@
       <cdr:y>0.8871</cdr:y>
     </cdr:from>
     <cdr:to>
-      <cdr:x>0.84097</cdr:x>
+      <cdr:x>0.78159</cdr:x>
       <cdr:y>0.97179</cdr:y>
     </cdr:to>
     <cdr:sp macro="" textlink="">
@@ -526,8 +524,8 @@
       </cdr:nvSpPr>
       <cdr:spPr>
         <a:xfrm xmlns:a="http://schemas.openxmlformats.org/drawingml/2006/main">
-          <a:off x="1295400" y="4191000"/>
-          <a:ext cx="5561331" cy="400110"/>
+          <a:off x="1295412" y="4191015"/>
+          <a:ext cx="5077224" cy="400110"/>
         </a:xfrm>
         <a:prstGeom xmlns:a="http://schemas.openxmlformats.org/drawingml/2006/main" prst="rect">
           <a:avLst/>
@@ -648,7 +646,7 @@
         <a:p xmlns:a="http://schemas.openxmlformats.org/drawingml/2006/main">
           <a:r>
             <a:rPr lang="en-US" sz="2000" b="1" dirty="0" smtClean="0"/>
-            <a:t>Total project estimation: 2,800 person hours</a:t>
+            <a:t>Total project efforts: 2,800 person hours</a:t>
           </a:r>
           <a:endParaRPr lang="en-US" sz="2000" b="1" dirty="0"/>
         </a:p>
@@ -753,7 +751,7 @@
               <a:pPr>
                 <a:defRPr/>
               </a:pPr>
-              <a:t>4/25/2010</a:t>
+              <a:t>4/26/2010</a:t>
             </a:fld>
             <a:endParaRPr lang="en-US"/>
           </a:p>
@@ -1640,7 +1638,7 @@
       </p:grpSpPr>
       <p:sp>
         <p:nvSpPr>
-          <p:cNvPr id="16386" name="Slide Image Placeholder 1"/>
+          <p:cNvPr id="12290" name="Slide Image Placeholder 1"/>
           <p:cNvSpPr>
             <a:spLocks noGrp="1" noRot="1" noChangeAspect="1" noTextEdit="1"/>
           </p:cNvSpPr>
@@ -1662,7 +1660,7 @@
       </p:sp>
       <p:sp>
         <p:nvSpPr>
-          <p:cNvPr id="16387" name="Notes Placeholder 2"/>
+          <p:cNvPr id="12291" name="Notes Placeholder 2"/>
           <p:cNvSpPr>
             <a:spLocks noGrp="1"/>
           </p:cNvSpPr>
@@ -1686,13 +1684,13 @@
                 <a:spcPct val="0"/>
               </a:spcBef>
             </a:pPr>
-            <a:endParaRPr lang="en-US" smtClean="0"/>
-          </a:p>
-        </p:txBody>
-      </p:sp>
-      <p:sp>
-        <p:nvSpPr>
-          <p:cNvPr id="16388" name="Slide Number Placeholder 3"/>
+            <a:endParaRPr lang="en-US" dirty="0" smtClean="0"/>
+          </a:p>
+        </p:txBody>
+      </p:sp>
+      <p:sp>
+        <p:nvSpPr>
+          <p:cNvPr id="12292" name="Slide Number Placeholder 3"/>
           <p:cNvSpPr>
             <a:spLocks noGrp="1"/>
           </p:cNvSpPr>
@@ -1716,10 +1714,122 @@
           </a:bodyPr>
           <a:lstStyle/>
           <a:p>
+            <a:fld id="{3E193D48-6A95-4560-B56D-241DB69883F3}" type="slidenum">
+              <a:rPr lang="en-US" smtClean="0"/>
+              <a:pPr/>
+              <a:t>14</a:t>
+            </a:fld>
+            <a:endParaRPr lang="en-US" smtClean="0"/>
+          </a:p>
+        </p:txBody>
+      </p:sp>
+    </p:spTree>
+  </p:cSld>
+  <p:clrMapOvr>
+    <a:masterClrMapping/>
+  </p:clrMapOvr>
+</p:notes>
+</file>
+
+<file path=ppt/notesSlides/notesSlide15.xml><?xml version="1.0" encoding="utf-8"?>
+<p:notes xmlns:a="http://schemas.openxmlformats.org/drawingml/2006/main" xmlns:r="http://schemas.openxmlformats.org/officeDocument/2006/relationships" xmlns:p="http://schemas.openxmlformats.org/presentationml/2006/main">
+  <p:cSld>
+    <p:spTree>
+      <p:nvGrpSpPr>
+        <p:cNvPr id="1" name=""/>
+        <p:cNvGrpSpPr/>
+        <p:nvPr/>
+      </p:nvGrpSpPr>
+      <p:grpSpPr>
+        <a:xfrm>
+          <a:off x="0" y="0"/>
+          <a:ext cx="0" cy="0"/>
+          <a:chOff x="0" y="0"/>
+          <a:chExt cx="0" cy="0"/>
+        </a:xfrm>
+      </p:grpSpPr>
+      <p:sp>
+        <p:nvSpPr>
+          <p:cNvPr id="16386" name="Slide Image Placeholder 1"/>
+          <p:cNvSpPr>
+            <a:spLocks noGrp="1" noRot="1" noChangeAspect="1" noTextEdit="1"/>
+          </p:cNvSpPr>
+          <p:nvPr>
+            <p:ph type="sldImg"/>
+          </p:nvPr>
+        </p:nvSpPr>
+        <p:spPr bwMode="auto">
+          <a:noFill/>
+          <a:ln>
+            <a:solidFill>
+              <a:srgbClr val="000000"/>
+            </a:solidFill>
+            <a:miter lim="800000"/>
+            <a:headEnd/>
+            <a:tailEnd/>
+          </a:ln>
+        </p:spPr>
+      </p:sp>
+      <p:sp>
+        <p:nvSpPr>
+          <p:cNvPr id="16387" name="Notes Placeholder 2"/>
+          <p:cNvSpPr>
+            <a:spLocks noGrp="1"/>
+          </p:cNvSpPr>
+          <p:nvPr>
+            <p:ph type="body" idx="1"/>
+          </p:nvPr>
+        </p:nvSpPr>
+        <p:spPr bwMode="auto">
+          <a:noFill/>
+        </p:spPr>
+        <p:txBody>
+          <a:bodyPr wrap="square" numCol="1" anchor="t" anchorCtr="0" compatLnSpc="1">
+            <a:prstTxWarp prst="textNoShape">
+              <a:avLst/>
+            </a:prstTxWarp>
+          </a:bodyPr>
+          <a:lstStyle/>
+          <a:p>
+            <a:pPr eaLnBrk="1" hangingPunct="1">
+              <a:spcBef>
+                <a:spcPct val="0"/>
+              </a:spcBef>
+            </a:pPr>
+            <a:endParaRPr lang="en-US" smtClean="0"/>
+          </a:p>
+        </p:txBody>
+      </p:sp>
+      <p:sp>
+        <p:nvSpPr>
+          <p:cNvPr id="16388" name="Slide Number Placeholder 3"/>
+          <p:cNvSpPr>
+            <a:spLocks noGrp="1"/>
+          </p:cNvSpPr>
+          <p:nvPr>
+            <p:ph type="sldNum" sz="quarter" idx="5"/>
+          </p:nvPr>
+        </p:nvSpPr>
+        <p:spPr bwMode="auto">
+          <a:noFill/>
+          <a:ln>
+            <a:miter lim="800000"/>
+            <a:headEnd/>
+            <a:tailEnd/>
+          </a:ln>
+        </p:spPr>
+        <p:txBody>
+          <a:bodyPr wrap="square" numCol="1" anchorCtr="0" compatLnSpc="1">
+            <a:prstTxWarp prst="textNoShape">
+              <a:avLst/>
+            </a:prstTxWarp>
+          </a:bodyPr>
+          <a:lstStyle/>
+          <a:p>
             <a:fld id="{0A3FB449-B818-4899-BCB7-59F50BF6EF49}" type="slidenum">
               <a:rPr lang="en-US" smtClean="0"/>
               <a:pPr/>
-              <a:t>14</a:t>
+              <a:t>15</a:t>
             </a:fld>
             <a:endParaRPr lang="en-US" smtClean="0"/>
           </a:p>
@@ -2820,7 +2930,7 @@
               <a:pPr>
                 <a:defRPr/>
               </a:pPr>
-              <a:t>25/04/2010</a:t>
+              <a:t>26/04/2010</a:t>
             </a:fld>
             <a:endParaRPr lang="fr-CA"/>
           </a:p>
@@ -3012,7 +3122,7 @@
               <a:pPr>
                 <a:defRPr/>
               </a:pPr>
-              <a:t>25/04/2010</a:t>
+              <a:t>26/04/2010</a:t>
             </a:fld>
             <a:endParaRPr lang="fr-CA"/>
           </a:p>
@@ -3214,7 +3324,7 @@
               <a:pPr>
                 <a:defRPr/>
               </a:pPr>
-              <a:t>25/04/2010</a:t>
+              <a:t>26/04/2010</a:t>
             </a:fld>
             <a:endParaRPr lang="fr-CA"/>
           </a:p>
@@ -3406,7 +3516,7 @@
               <a:pPr>
                 <a:defRPr/>
               </a:pPr>
-              <a:t>25/04/2010</a:t>
+              <a:t>26/04/2010</a:t>
             </a:fld>
             <a:endParaRPr lang="fr-CA"/>
           </a:p>
@@ -3674,7 +3784,7 @@
               <a:pPr>
                 <a:defRPr/>
               </a:pPr>
-              <a:t>25/04/2010</a:t>
+              <a:t>26/04/2010</a:t>
             </a:fld>
             <a:endParaRPr lang="fr-CA"/>
           </a:p>
@@ -3984,7 +4094,7 @@
               <a:pPr>
                 <a:defRPr/>
               </a:pPr>
-              <a:t>25/04/2010</a:t>
+              <a:t>26/04/2010</a:t>
             </a:fld>
             <a:endParaRPr lang="fr-CA"/>
           </a:p>
@@ -4428,7 +4538,7 @@
               <a:pPr>
                 <a:defRPr/>
               </a:pPr>
-              <a:t>25/04/2010</a:t>
+              <a:t>26/04/2010</a:t>
             </a:fld>
             <a:endParaRPr lang="fr-CA"/>
           </a:p>
@@ -4568,7 +4678,7 @@
               <a:pPr>
                 <a:defRPr/>
               </a:pPr>
-              <a:t>25/04/2010</a:t>
+              <a:t>26/04/2010</a:t>
             </a:fld>
             <a:endParaRPr lang="fr-CA"/>
           </a:p>
@@ -4685,7 +4795,7 @@
               <a:pPr>
                 <a:defRPr/>
               </a:pPr>
-              <a:t>25/04/2010</a:t>
+              <a:t>26/04/2010</a:t>
             </a:fld>
             <a:endParaRPr lang="fr-CA"/>
           </a:p>
@@ -4984,7 +5094,7 @@
               <a:pPr>
                 <a:defRPr/>
               </a:pPr>
-              <a:t>25/04/2010</a:t>
+              <a:t>26/04/2010</a:t>
             </a:fld>
             <a:endParaRPr lang="fr-CA"/>
           </a:p>
@@ -5266,7 +5376,7 @@
               <a:pPr>
                 <a:defRPr/>
               </a:pPr>
-              <a:t>25/04/2010</a:t>
+              <a:t>26/04/2010</a:t>
             </a:fld>
             <a:endParaRPr lang="fr-CA"/>
           </a:p>
@@ -5523,7 +5633,7 @@
               <a:pPr>
                 <a:defRPr/>
               </a:pPr>
-              <a:t>25/04/2010</a:t>
+              <a:t>26/04/2010</a:t>
             </a:fld>
             <a:endParaRPr lang="fr-CA"/>
           </a:p>
@@ -6260,11 +6370,7 @@
             <a:pPr eaLnBrk="1" hangingPunct="1"/>
             <a:r>
               <a:rPr lang="en-US" sz="2400" dirty="0" smtClean="0"/>
-              <a:t>Schedule </a:t>
-            </a:r>
-            <a:r>
-              <a:rPr lang="en-US" sz="2400" dirty="0" smtClean="0"/>
-              <a:t>indicators:</a:t>
+              <a:t>Schedule indicators:</a:t>
             </a:r>
           </a:p>
           <a:p>
@@ -6312,26 +6418,14 @@
             <a:pPr lvl="1" eaLnBrk="1" hangingPunct="1"/>
             <a:r>
               <a:rPr lang="en-US" sz="2000" b="1" i="1" u="sng" dirty="0" smtClean="0"/>
-              <a:t>So </a:t>
-            </a:r>
-            <a:r>
-              <a:rPr lang="en-US" sz="2000" b="1" i="1" u="sng" dirty="0" smtClean="0"/>
-              <a:t>the project schedule indicator  </a:t>
+              <a:t>So the project schedule indicator  </a:t>
             </a:r>
             <a:br>
               <a:rPr lang="en-US" sz="2000" b="1" i="1" u="sng" dirty="0" smtClean="0"/>
             </a:br>
             <a:r>
               <a:rPr lang="en-US" sz="2000" b="1" i="1" u="sng" dirty="0" smtClean="0"/>
-              <a:t>till Monday </a:t>
-            </a:r>
-            <a:r>
-              <a:rPr lang="en-US" sz="2000" b="1" i="1" u="sng" dirty="0" smtClean="0"/>
-              <a:t>26 of April shows</a:t>
-            </a:r>
-            <a:r>
-              <a:rPr lang="en-US" sz="2000" b="1" i="1" u="sng" dirty="0" smtClean="0"/>
-              <a:t>:</a:t>
+              <a:t>till Monday 26 of April shows:</a:t>
             </a:r>
           </a:p>
         </p:txBody>
@@ -6373,7 +6467,7 @@
         </p:nvSpPr>
         <p:spPr>
           <a:xfrm>
-            <a:off x="3733800" y="3276600"/>
+            <a:off x="3657600" y="2438400"/>
             <a:ext cx="1066800" cy="381000"/>
           </a:xfrm>
           <a:prstGeom prst="roundRect">
@@ -6421,7 +6515,7 @@
         </p:nvSpPr>
         <p:spPr>
           <a:xfrm>
-            <a:off x="3733800" y="3962400"/>
+            <a:off x="3657600" y="3200400"/>
             <a:ext cx="1066800" cy="381000"/>
           </a:xfrm>
           <a:prstGeom prst="roundRect">
@@ -6469,7 +6563,7 @@
         </p:nvSpPr>
         <p:spPr>
           <a:xfrm>
-            <a:off x="3733800" y="4724400"/>
+            <a:off x="3657600" y="3962400"/>
             <a:ext cx="1066800" cy="381000"/>
           </a:xfrm>
           <a:prstGeom prst="roundRect">
@@ -6653,21 +6747,8 @@
                   <a:schemeClr val="bg1"/>
                 </a:solidFill>
               </a:rPr>
-              <a:t>Future </a:t>
-            </a:r>
-            <a:r>
-              <a:rPr lang="en-US" dirty="0" smtClean="0">
-                <a:solidFill>
-                  <a:schemeClr val="bg1"/>
-                </a:solidFill>
-              </a:rPr>
-              <a:t>Plans</a:t>
-            </a:r>
-            <a:endParaRPr lang="en-US" dirty="0" smtClean="0">
-              <a:solidFill>
-                <a:schemeClr val="bg1"/>
-              </a:solidFill>
-            </a:endParaRPr>
+              <a:t>Future Plans</a:t>
+            </a:r>
           </a:p>
         </p:txBody>
       </p:sp>
@@ -6690,21 +6771,6 @@
         <p:txBody>
           <a:bodyPr/>
           <a:lstStyle/>
-          <a:p>
-            <a:pPr eaLnBrk="1" hangingPunct="1"/>
-            <a:r>
-              <a:rPr lang="en-US" sz="2400" b="1" dirty="0" smtClean="0"/>
-              <a:t>28 April</a:t>
-            </a:r>
-            <a:r>
-              <a:rPr lang="en-US" sz="2400" dirty="0" smtClean="0"/>
-              <a:t>: 65% of  fully tested functionality, 100% of test cases</a:t>
-            </a:r>
-          </a:p>
-          <a:p>
-            <a:pPr eaLnBrk="1" hangingPunct="1"/>
-            <a:endParaRPr lang="en-US" sz="2400" dirty="0" smtClean="0"/>
-          </a:p>
           <a:p>
             <a:pPr eaLnBrk="1" hangingPunct="1"/>
             <a:r>
@@ -6847,7 +6913,7 @@
                   <a:schemeClr val="bg1"/>
                 </a:solidFill>
               </a:rPr>
-              <a:t>Defect tracking system</a:t>
+              <a:t>Problems</a:t>
             </a:r>
           </a:p>
         </p:txBody>
@@ -6872,24 +6938,51 @@
           <a:bodyPr/>
           <a:lstStyle/>
           <a:p>
-            <a:pPr eaLnBrk="1" hangingPunct="1">
-              <a:buNone/>
-            </a:pPr>
-            <a:endParaRPr lang="en-US" sz="2400" dirty="0" smtClean="0">
+            <a:pPr eaLnBrk="1" hangingPunct="1"/>
+            <a:endParaRPr lang="en-US" sz="2400" dirty="0" smtClean="0"/>
+          </a:p>
+          <a:p>
+            <a:pPr eaLnBrk="1" hangingPunct="1"/>
+            <a:r>
+              <a:rPr lang="en-US" sz="2400" dirty="0" smtClean="0"/>
+              <a:t>Unavailability  of Rational tools</a:t>
+            </a:r>
+          </a:p>
+          <a:p>
+            <a:pPr eaLnBrk="1" hangingPunct="1"/>
+            <a:endParaRPr lang="en-US" sz="2400" dirty="0" smtClean="0"/>
+          </a:p>
+          <a:p>
+            <a:pPr eaLnBrk="1" hangingPunct="1"/>
+            <a:r>
+              <a:rPr lang="en-US" sz="2400" dirty="0" smtClean="0"/>
+              <a:t>J2ME and mobile technologies problems</a:t>
+            </a:r>
+          </a:p>
+          <a:p>
+            <a:pPr lvl="1" eaLnBrk="1" hangingPunct="1"/>
+            <a:endParaRPr lang="en-US" sz="2000" dirty="0" smtClean="0"/>
+          </a:p>
+          <a:p>
+            <a:pPr lvl="1" eaLnBrk="1" hangingPunct="1"/>
+            <a:r>
+              <a:rPr lang="en-US" sz="2000" dirty="0" smtClean="0"/>
+              <a:t>Detecting the location from the mobile device</a:t>
+            </a:r>
+          </a:p>
+          <a:p>
+            <a:pPr lvl="1" eaLnBrk="1" hangingPunct="1"/>
+            <a:endParaRPr lang="en-US" sz="2000" dirty="0" smtClean="0"/>
+          </a:p>
+          <a:p>
+            <a:pPr lvl="1" eaLnBrk="1" hangingPunct="1"/>
+            <a:r>
+              <a:rPr lang="en-US" sz="2000" dirty="0" smtClean="0"/>
+              <a:t>Capturing a video and photo from the mobile device</a:t>
+            </a:r>
+            <a:endParaRPr lang="en-US" sz="2000" dirty="0" smtClean="0">
               <a:hlinkClick r:id="rId4"/>
             </a:endParaRPr>
-          </a:p>
-          <a:p>
-            <a:pPr eaLnBrk="1" hangingPunct="1">
-              <a:buNone/>
-            </a:pPr>
-            <a:r>
-              <a:rPr lang="en-US" sz="2400" dirty="0" smtClean="0">
-                <a:hlinkClick r:id="rId4"/>
-              </a:rPr>
-              <a:t>http://trac6.assembla.com/apollogroup/report</a:t>
-            </a:r>
-            <a:endParaRPr lang="en-US" sz="2400" dirty="0" smtClean="0"/>
           </a:p>
         </p:txBody>
       </p:sp>
@@ -6988,7 +7081,7 @@
                   <a:schemeClr val="bg1"/>
                 </a:solidFill>
               </a:rPr>
-              <a:t>VMS in action</a:t>
+              <a:t>Defect Tracking System</a:t>
             </a:r>
           </a:p>
         </p:txBody>
@@ -7012,15 +7105,6 @@
         <p:txBody>
           <a:bodyPr/>
           <a:lstStyle/>
-          <a:p>
-            <a:pPr eaLnBrk="1" hangingPunct="1">
-              <a:buNone/>
-            </a:pPr>
-            <a:r>
-              <a:rPr lang="en-US" sz="2400" dirty="0" smtClean="0"/>
-              <a:t>VMS Portal</a:t>
-            </a:r>
-          </a:p>
           <a:p>
             <a:pPr eaLnBrk="1" hangingPunct="1">
               <a:buNone/>
@@ -7030,27 +7114,16 @@
             </a:endParaRPr>
           </a:p>
           <a:p>
-            <a:pPr eaLnBrk="1" hangingPunct="1"/>
+            <a:pPr eaLnBrk="1" hangingPunct="1">
+              <a:buNone/>
+            </a:pPr>
             <a:r>
               <a:rPr lang="en-US" sz="2400" dirty="0" smtClean="0">
                 <a:hlinkClick r:id="rId4"/>
               </a:rPr>
-              <a:t>http://licrp.dnsalias.net/apollo/Incident.aspx?Action=Create</a:t>
+              <a:t>http://trac6.assembla.com/apollogroup/report</a:t>
             </a:r>
             <a:endParaRPr lang="en-US" sz="2400" dirty="0" smtClean="0"/>
-          </a:p>
-          <a:p>
-            <a:pPr eaLnBrk="1" hangingPunct="1"/>
-            <a:endParaRPr lang="en-US" sz="2400" dirty="0" smtClean="0"/>
-          </a:p>
-          <a:p>
-            <a:pPr eaLnBrk="1" hangingPunct="1">
-              <a:buNone/>
-            </a:pPr>
-            <a:r>
-              <a:rPr lang="en-US" sz="2400" dirty="0" smtClean="0"/>
-              <a:t>Mobile application</a:t>
-            </a:r>
           </a:p>
         </p:txBody>
       </p:sp>
@@ -7129,6 +7202,167 @@
       </p:grpSpPr>
       <p:sp>
         <p:nvSpPr>
+          <p:cNvPr id="4098" name="Titre 1"/>
+          <p:cNvSpPr>
+            <a:spLocks noGrp="1"/>
+          </p:cNvSpPr>
+          <p:nvPr>
+            <p:ph type="title"/>
+          </p:nvPr>
+        </p:nvSpPr>
+        <p:spPr/>
+        <p:txBody>
+          <a:bodyPr/>
+          <a:lstStyle/>
+          <a:p>
+            <a:pPr algn="l" eaLnBrk="1" hangingPunct="1"/>
+            <a:r>
+              <a:rPr lang="en-US" dirty="0" smtClean="0">
+                <a:solidFill>
+                  <a:schemeClr val="bg1"/>
+                </a:solidFill>
+              </a:rPr>
+              <a:t>VMS in action</a:t>
+            </a:r>
+          </a:p>
+        </p:txBody>
+      </p:sp>
+      <p:sp>
+        <p:nvSpPr>
+          <p:cNvPr id="4099" name="Espace réservé du contenu 2"/>
+          <p:cNvSpPr>
+            <a:spLocks noGrp="1"/>
+          </p:cNvSpPr>
+          <p:nvPr>
+            <p:ph idx="1"/>
+          </p:nvPr>
+        </p:nvSpPr>
+        <p:spPr>
+          <a:xfrm>
+            <a:off x="457200" y="1974850"/>
+            <a:ext cx="8229600" cy="4883150"/>
+          </a:xfrm>
+        </p:spPr>
+        <p:txBody>
+          <a:bodyPr/>
+          <a:lstStyle/>
+          <a:p>
+            <a:pPr eaLnBrk="1" hangingPunct="1">
+              <a:buNone/>
+            </a:pPr>
+            <a:r>
+              <a:rPr lang="en-US" sz="2400" dirty="0" smtClean="0"/>
+              <a:t>VMS Portal</a:t>
+            </a:r>
+          </a:p>
+          <a:p>
+            <a:pPr eaLnBrk="1" hangingPunct="1">
+              <a:buNone/>
+            </a:pPr>
+            <a:endParaRPr lang="en-US" sz="2400" dirty="0" smtClean="0">
+              <a:hlinkClick r:id="rId4"/>
+            </a:endParaRPr>
+          </a:p>
+          <a:p>
+            <a:pPr eaLnBrk="1" hangingPunct="1"/>
+            <a:r>
+              <a:rPr lang="en-US" sz="2400" dirty="0" smtClean="0">
+                <a:hlinkClick r:id="rId4"/>
+              </a:rPr>
+              <a:t>http://licrp.dnsalias.net/apollo/Incident.aspx?Action=Create</a:t>
+            </a:r>
+            <a:endParaRPr lang="en-US" sz="2400" dirty="0" smtClean="0"/>
+          </a:p>
+          <a:p>
+            <a:pPr eaLnBrk="1" hangingPunct="1"/>
+            <a:endParaRPr lang="en-US" sz="2400" dirty="0" smtClean="0"/>
+          </a:p>
+          <a:p>
+            <a:pPr eaLnBrk="1" hangingPunct="1">
+              <a:buNone/>
+            </a:pPr>
+            <a:r>
+              <a:rPr lang="en-US" sz="2400" dirty="0" smtClean="0"/>
+              <a:t>Mobile application</a:t>
+            </a:r>
+          </a:p>
+        </p:txBody>
+      </p:sp>
+      <p:sp>
+        <p:nvSpPr>
+          <p:cNvPr id="4" name="Slide Number Placeholder 3"/>
+          <p:cNvSpPr>
+            <a:spLocks noGrp="1"/>
+          </p:cNvSpPr>
+          <p:nvPr>
+            <p:ph type="sldNum" sz="quarter" idx="12"/>
+          </p:nvPr>
+        </p:nvSpPr>
+        <p:spPr/>
+        <p:txBody>
+          <a:bodyPr/>
+          <a:lstStyle/>
+          <a:p>
+            <a:pPr>
+              <a:defRPr/>
+            </a:pPr>
+            <a:fld id="{3415572C-8D78-4DB2-B57C-21DB8D6389C7}" type="slidenum">
+              <a:rPr lang="fr-CA" smtClean="0"/>
+              <a:pPr>
+                <a:defRPr/>
+              </a:pPr>
+              <a:t>14</a:t>
+            </a:fld>
+            <a:endParaRPr lang="fr-CA" dirty="0"/>
+          </a:p>
+        </p:txBody>
+      </p:sp>
+    </p:spTree>
+  </p:cSld>
+  <p:clrMapOvr>
+    <a:masterClrMapping/>
+  </p:clrMapOvr>
+  <p:timing>
+    <p:tnLst>
+      <p:par>
+        <p:cTn id="1" dur="indefinite" restart="never" nodeType="tmRoot"/>
+      </p:par>
+    </p:tnLst>
+  </p:timing>
+</p:sld>
+</file>
+
+<file path=ppt/slides/slide15.xml><?xml version="1.0" encoding="utf-8"?>
+<p:sld xmlns:a="http://schemas.openxmlformats.org/drawingml/2006/main" xmlns:r="http://schemas.openxmlformats.org/officeDocument/2006/relationships" xmlns:p="http://schemas.openxmlformats.org/presentationml/2006/main">
+  <p:cSld>
+    <p:bg>
+      <p:bgPr>
+        <a:blipFill dpi="0" rotWithShape="0">
+          <a:blip r:embed="rId3" cstate="print"/>
+          <a:srcRect/>
+          <a:stretch>
+            <a:fillRect/>
+          </a:stretch>
+        </a:blipFill>
+        <a:effectLst/>
+      </p:bgPr>
+    </p:bg>
+    <p:spTree>
+      <p:nvGrpSpPr>
+        <p:cNvPr id="1" name=""/>
+        <p:cNvGrpSpPr/>
+        <p:nvPr/>
+      </p:nvGrpSpPr>
+      <p:grpSpPr>
+        <a:xfrm>
+          <a:off x="0" y="0"/>
+          <a:ext cx="0" cy="0"/>
+          <a:chOff x="0" y="0"/>
+          <a:chExt cx="0" cy="0"/>
+        </a:xfrm>
+      </p:grpSpPr>
+      <p:sp>
+        <p:nvSpPr>
           <p:cNvPr id="8194" name="Titre 1"/>
           <p:cNvSpPr>
             <a:spLocks noGrp="1"/>
@@ -7238,7 +7472,7 @@
               <a:pPr>
                 <a:defRPr/>
               </a:pPr>
-              <a:t>14</a:t>
+              <a:t>15</a:t>
             </a:fld>
             <a:endParaRPr lang="fr-CA"/>
           </a:p>
@@ -7603,19 +7837,27 @@
             <a:pPr eaLnBrk="1" hangingPunct="1"/>
             <a:r>
               <a:rPr lang="en-US" sz="2400" dirty="0" smtClean="0"/>
-              <a:t>Future </a:t>
-            </a:r>
+              <a:t>Future Plans</a:t>
+            </a:r>
+          </a:p>
+          <a:p>
+            <a:pPr eaLnBrk="1" hangingPunct="1"/>
             <a:r>
               <a:rPr lang="en-US" sz="2400" dirty="0" smtClean="0"/>
-              <a:t>Plans</a:t>
+              <a:t>Problems</a:t>
             </a:r>
           </a:p>
           <a:p>
             <a:pPr eaLnBrk="1" hangingPunct="1"/>
             <a:r>
               <a:rPr lang="en-US" sz="2400" dirty="0" smtClean="0"/>
-              <a:t>Defect tracking system</a:t>
-            </a:r>
+              <a:t>Defect </a:t>
+            </a:r>
+            <a:r>
+              <a:rPr lang="en-US" sz="2400" dirty="0" smtClean="0"/>
+              <a:t>Tracking System</a:t>
+            </a:r>
+            <a:endParaRPr lang="en-US" sz="2400" dirty="0" smtClean="0"/>
           </a:p>
           <a:p>
             <a:pPr eaLnBrk="1" hangingPunct="1"/>
@@ -7630,7 +7872,6 @@
               <a:rPr lang="en-US" sz="2400" dirty="0" smtClean="0"/>
               <a:t>Q&amp;A</a:t>
             </a:r>
-            <a:endParaRPr lang="en-US" sz="2400" dirty="0" smtClean="0"/>
           </a:p>
           <a:p>
             <a:pPr eaLnBrk="1" hangingPunct="1"/>
@@ -7773,7 +8014,6 @@
               <a:rPr lang="en-US" sz="2800" b="1" dirty="0" smtClean="0"/>
               <a:t>Volunteer Management System </a:t>
             </a:r>
-            <a:endParaRPr lang="en-US" sz="2800" b="1" dirty="0" smtClean="0"/>
           </a:p>
           <a:p>
             <a:pPr algn="ctr" eaLnBrk="1" hangingPunct="1">
@@ -7785,25 +8025,15 @@
             <a:pPr eaLnBrk="1" hangingPunct="1"/>
             <a:r>
               <a:rPr lang="en-US" sz="2400" dirty="0" smtClean="0"/>
-              <a:t>Request the citizens for the </a:t>
-            </a:r>
+              <a:t>Request the citizens for the help</a:t>
+            </a:r>
+          </a:p>
+          <a:p>
+            <a:pPr eaLnBrk="1" hangingPunct="1"/>
             <a:r>
               <a:rPr lang="en-US" sz="2400" dirty="0" smtClean="0"/>
-              <a:t>help</a:t>
-            </a:r>
-            <a:endParaRPr lang="en-US" sz="2400" dirty="0" smtClean="0"/>
-          </a:p>
-          <a:p>
-            <a:pPr eaLnBrk="1" hangingPunct="1"/>
-            <a:r>
-              <a:rPr lang="en-US" sz="2400" dirty="0" smtClean="0"/>
-              <a:t>Allow citizens to help with their </a:t>
-            </a:r>
-            <a:r>
-              <a:rPr lang="en-US" sz="2400" dirty="0" smtClean="0"/>
-              <a:t>stuff</a:t>
-            </a:r>
-            <a:endParaRPr lang="en-US" sz="2400" dirty="0" smtClean="0"/>
+              <a:t>Allow citizens to help with their stuff</a:t>
+            </a:r>
           </a:p>
           <a:p>
             <a:pPr eaLnBrk="1" hangingPunct="1"/>
@@ -7816,11 +8046,7 @@
             <a:pPr eaLnBrk="1" hangingPunct="1"/>
             <a:r>
               <a:rPr lang="en-US" sz="2400" dirty="0" smtClean="0"/>
-              <a:t>Allow to resolve the crisis with the help of the </a:t>
-            </a:r>
-            <a:r>
-              <a:rPr lang="en-US" sz="2400" dirty="0" smtClean="0"/>
-              <a:t>citizens</a:t>
+              <a:t>Allow to resolve the crisis with the help of the citizens</a:t>
             </a:r>
           </a:p>
           <a:p>
@@ -9440,7 +9666,7 @@
                   <a:schemeClr val="bg1"/>
                 </a:solidFill>
               </a:rPr>
-              <a:t>Status of deliverables</a:t>
+              <a:t>Status of Deliverables</a:t>
             </a:r>
           </a:p>
         </p:txBody>
@@ -9465,105 +9691,12 @@
           <a:bodyPr/>
           <a:lstStyle/>
           <a:p>
-            <a:pPr eaLnBrk="1" hangingPunct="1"/>
+            <a:pPr eaLnBrk="1" hangingPunct="1">
+              <a:buNone/>
+            </a:pPr>
             <a:r>
               <a:rPr lang="en-US" sz="2400" b="1" dirty="0" smtClean="0"/>
-              <a:t>End date: 28 April 2010</a:t>
-            </a:r>
-          </a:p>
-          <a:p>
-            <a:pPr eaLnBrk="1" hangingPunct="1"/>
-            <a:r>
-              <a:rPr lang="en-US" sz="2400" dirty="0" smtClean="0"/>
-              <a:t>Project management plan</a:t>
-            </a:r>
-          </a:p>
-          <a:p>
-            <a:pPr eaLnBrk="1" hangingPunct="1"/>
-            <a:r>
-              <a:rPr lang="en-US" sz="2400" dirty="0" smtClean="0"/>
-              <a:t>QA plan</a:t>
-            </a:r>
-          </a:p>
-          <a:p>
-            <a:pPr eaLnBrk="1" hangingPunct="1"/>
-            <a:r>
-              <a:rPr lang="en-US" sz="2400" dirty="0" smtClean="0"/>
-              <a:t>SAD and </a:t>
-            </a:r>
-            <a:r>
-              <a:rPr lang="en-US" sz="2400" dirty="0" smtClean="0"/>
-              <a:t>SDD</a:t>
-            </a:r>
-            <a:endParaRPr lang="en-US" sz="2400" b="1" dirty="0" smtClean="0"/>
-          </a:p>
-          <a:p>
-            <a:pPr eaLnBrk="1" hangingPunct="1"/>
-            <a:r>
-              <a:rPr lang="en-US" sz="2400" dirty="0" smtClean="0"/>
-              <a:t>65% developed functionality </a:t>
-            </a:r>
-            <a:r>
-              <a:rPr lang="en-US" sz="2400" b="1" dirty="0" smtClean="0"/>
-              <a:t>- 61 % is completed </a:t>
-            </a:r>
-          </a:p>
-          <a:p>
-            <a:pPr eaLnBrk="1" hangingPunct="1"/>
-            <a:r>
-              <a:rPr lang="en-US" sz="2400" dirty="0" smtClean="0"/>
-              <a:t>65% of tested functionality </a:t>
-            </a:r>
-            <a:r>
-              <a:rPr lang="en-US" sz="2400" b="1" dirty="0" smtClean="0"/>
-              <a:t>– xx % is completed </a:t>
-            </a:r>
-          </a:p>
-          <a:p>
-            <a:pPr eaLnBrk="1" hangingPunct="1"/>
-            <a:r>
-              <a:rPr lang="en-US" sz="2400" dirty="0" smtClean="0"/>
-              <a:t>100% of test cases </a:t>
-            </a:r>
-            <a:r>
-              <a:rPr lang="en-US" sz="2400" b="1" dirty="0" smtClean="0"/>
-              <a:t>-</a:t>
-            </a:r>
-            <a:r>
-              <a:rPr lang="en-US" sz="2400" dirty="0" smtClean="0"/>
-              <a:t> </a:t>
-            </a:r>
-            <a:r>
-              <a:rPr lang="en-US" sz="2400" b="1" dirty="0" smtClean="0"/>
-              <a:t>completed</a:t>
-            </a:r>
-            <a:endParaRPr lang="en-US" sz="2400" dirty="0" smtClean="0"/>
-          </a:p>
-          <a:p>
-            <a:pPr eaLnBrk="1" hangingPunct="1"/>
-            <a:r>
-              <a:rPr lang="en-US" sz="2400" dirty="0" smtClean="0"/>
-              <a:t>1</a:t>
-            </a:r>
-            <a:r>
-              <a:rPr lang="en-US" sz="2400" baseline="30000" dirty="0" smtClean="0"/>
-              <a:t>st</a:t>
-            </a:r>
-            <a:r>
-              <a:rPr lang="en-US" sz="2400" dirty="0" smtClean="0"/>
-              <a:t> draft of the User guideline </a:t>
-            </a:r>
-            <a:r>
-              <a:rPr lang="en-US" sz="2400" b="1" dirty="0" smtClean="0"/>
-              <a:t>–</a:t>
-            </a:r>
-            <a:r>
-              <a:rPr lang="en-US" sz="2400" dirty="0" smtClean="0"/>
-              <a:t> </a:t>
-            </a:r>
-            <a:r>
-              <a:rPr lang="en-US" sz="2400" b="1" dirty="0" smtClean="0"/>
-              <a:t>in progress</a:t>
+              <a:t>Due date: 28 April 2010</a:t>
             </a:r>
           </a:p>
         </p:txBody>
@@ -9597,6 +9730,274 @@
           </a:p>
         </p:txBody>
       </p:sp>
+      <p:graphicFrame>
+        <p:nvGraphicFramePr>
+          <p:cNvPr id="5" name="Table 4"/>
+          <p:cNvGraphicFramePr>
+            <a:graphicFrameLocks noGrp="1"/>
+          </p:cNvGraphicFramePr>
+          <p:nvPr/>
+        </p:nvGraphicFramePr>
+        <p:xfrm>
+          <a:off x="381000" y="2514600"/>
+          <a:ext cx="8153400" cy="3733800"/>
+        </p:xfrm>
+        <a:graphic>
+          <a:graphicData uri="http://schemas.openxmlformats.org/drawingml/2006/table">
+            <a:tbl>
+              <a:tblPr firstRow="1" bandRow="1">
+                <a:tableStyleId>{5C22544A-7EE6-4342-B048-85BDC9FD1C3A}</a:tableStyleId>
+              </a:tblPr>
+              <a:tblGrid>
+                <a:gridCol w="4076700"/>
+                <a:gridCol w="4076700"/>
+              </a:tblGrid>
+              <a:tr h="466725">
+                <a:tc>
+                  <a:txBody>
+                    <a:bodyPr/>
+                    <a:lstStyle/>
+                    <a:p>
+                      <a:pPr algn="ctr"/>
+                      <a:r>
+                        <a:rPr lang="sv-SE" dirty="0" smtClean="0"/>
+                        <a:t>Planed</a:t>
+                      </a:r>
+                      <a:endParaRPr lang="sv-SE" dirty="0"/>
+                    </a:p>
+                  </a:txBody>
+                  <a:tcPr/>
+                </a:tc>
+                <a:tc>
+                  <a:txBody>
+                    <a:bodyPr/>
+                    <a:lstStyle/>
+                    <a:p>
+                      <a:pPr algn="ctr"/>
+                      <a:r>
+                        <a:rPr lang="sv-SE" dirty="0" smtClean="0"/>
+                        <a:t>Status</a:t>
+                      </a:r>
+                      <a:endParaRPr lang="sv-SE" dirty="0"/>
+                    </a:p>
+                  </a:txBody>
+                  <a:tcPr/>
+                </a:tc>
+              </a:tr>
+              <a:tr h="466725">
+                <a:tc>
+                  <a:txBody>
+                    <a:bodyPr/>
+                    <a:lstStyle/>
+                    <a:p>
+                      <a:r>
+                        <a:rPr lang="sv-SE" dirty="0" smtClean="0"/>
+                        <a:t>Project management plan</a:t>
+                      </a:r>
+                      <a:endParaRPr lang="sv-SE" dirty="0"/>
+                    </a:p>
+                  </a:txBody>
+                  <a:tcPr/>
+                </a:tc>
+                <a:tc>
+                  <a:txBody>
+                    <a:bodyPr/>
+                    <a:lstStyle/>
+                    <a:p>
+                      <a:r>
+                        <a:rPr lang="sv-SE" dirty="0" smtClean="0"/>
+                        <a:t>Completed</a:t>
+                      </a:r>
+                      <a:endParaRPr lang="sv-SE" dirty="0"/>
+                    </a:p>
+                  </a:txBody>
+                  <a:tcPr/>
+                </a:tc>
+              </a:tr>
+              <a:tr h="466725">
+                <a:tc>
+                  <a:txBody>
+                    <a:bodyPr/>
+                    <a:lstStyle/>
+                    <a:p>
+                      <a:r>
+                        <a:rPr lang="sv-SE" dirty="0" smtClean="0"/>
+                        <a:t>QA plan</a:t>
+                      </a:r>
+                      <a:endParaRPr lang="sv-SE" dirty="0"/>
+                    </a:p>
+                  </a:txBody>
+                  <a:tcPr/>
+                </a:tc>
+                <a:tc>
+                  <a:txBody>
+                    <a:bodyPr/>
+                    <a:lstStyle/>
+                    <a:p>
+                      <a:r>
+                        <a:rPr lang="sv-SE" dirty="0" smtClean="0"/>
+                        <a:t>Completed</a:t>
+                      </a:r>
+                      <a:endParaRPr lang="sv-SE" dirty="0"/>
+                    </a:p>
+                  </a:txBody>
+                  <a:tcPr/>
+                </a:tc>
+              </a:tr>
+              <a:tr h="466725">
+                <a:tc>
+                  <a:txBody>
+                    <a:bodyPr/>
+                    <a:lstStyle/>
+                    <a:p>
+                      <a:r>
+                        <a:rPr lang="sv-SE" dirty="0" smtClean="0"/>
+                        <a:t>SAD and SDD</a:t>
+                      </a:r>
+                      <a:endParaRPr lang="sv-SE" dirty="0"/>
+                    </a:p>
+                  </a:txBody>
+                  <a:tcPr/>
+                </a:tc>
+                <a:tc>
+                  <a:txBody>
+                    <a:bodyPr/>
+                    <a:lstStyle/>
+                    <a:p>
+                      <a:r>
+                        <a:rPr lang="sv-SE" dirty="0" smtClean="0"/>
+                        <a:t>Completed</a:t>
+                      </a:r>
+                      <a:endParaRPr lang="sv-SE" dirty="0"/>
+                    </a:p>
+                  </a:txBody>
+                  <a:tcPr/>
+                </a:tc>
+              </a:tr>
+              <a:tr h="466725">
+                <a:tc>
+                  <a:txBody>
+                    <a:bodyPr/>
+                    <a:lstStyle/>
+                    <a:p>
+                      <a:r>
+                        <a:rPr lang="sv-SE" dirty="0" smtClean="0"/>
+                        <a:t>65%  of functionality developed</a:t>
+                      </a:r>
+                      <a:endParaRPr lang="sv-SE" dirty="0"/>
+                    </a:p>
+                  </a:txBody>
+                  <a:tcPr/>
+                </a:tc>
+                <a:tc>
+                  <a:txBody>
+                    <a:bodyPr/>
+                    <a:lstStyle/>
+                    <a:p>
+                      <a:r>
+                        <a:rPr lang="sv-SE" dirty="0" smtClean="0"/>
+                        <a:t>61% is completed</a:t>
+                      </a:r>
+                      <a:endParaRPr lang="sv-SE" dirty="0"/>
+                    </a:p>
+                  </a:txBody>
+                  <a:tcPr/>
+                </a:tc>
+              </a:tr>
+              <a:tr h="466725">
+                <a:tc>
+                  <a:txBody>
+                    <a:bodyPr/>
+                    <a:lstStyle/>
+                    <a:p>
+                      <a:r>
+                        <a:rPr lang="sv-SE" dirty="0" smtClean="0"/>
+                        <a:t>65% of functionality tested </a:t>
+                      </a:r>
+                      <a:endParaRPr lang="sv-SE" dirty="0"/>
+                    </a:p>
+                  </a:txBody>
+                  <a:tcPr/>
+                </a:tc>
+                <a:tc>
+                  <a:txBody>
+                    <a:bodyPr/>
+                    <a:lstStyle/>
+                    <a:p>
+                      <a:r>
+                        <a:rPr lang="sv-SE" dirty="0" smtClean="0"/>
+                        <a:t>???</a:t>
+                      </a:r>
+                      <a:endParaRPr lang="sv-SE" dirty="0"/>
+                    </a:p>
+                  </a:txBody>
+                  <a:tcPr/>
+                </a:tc>
+              </a:tr>
+              <a:tr h="466725">
+                <a:tc>
+                  <a:txBody>
+                    <a:bodyPr/>
+                    <a:lstStyle/>
+                    <a:p>
+                      <a:r>
+                        <a:rPr lang="sv-SE" dirty="0" smtClean="0"/>
+                        <a:t>100% of test cases ???</a:t>
+                      </a:r>
+                      <a:endParaRPr lang="sv-SE" dirty="0"/>
+                    </a:p>
+                  </a:txBody>
+                  <a:tcPr/>
+                </a:tc>
+                <a:tc>
+                  <a:txBody>
+                    <a:bodyPr/>
+                    <a:lstStyle/>
+                    <a:p>
+                      <a:r>
+                        <a:rPr lang="sv-SE" dirty="0" smtClean="0"/>
+                        <a:t>???</a:t>
+                      </a:r>
+                      <a:endParaRPr lang="sv-SE" dirty="0"/>
+                    </a:p>
+                  </a:txBody>
+                  <a:tcPr/>
+                </a:tc>
+              </a:tr>
+              <a:tr h="466725">
+                <a:tc>
+                  <a:txBody>
+                    <a:bodyPr/>
+                    <a:lstStyle/>
+                    <a:p>
+                      <a:r>
+                        <a:rPr lang="en-US" dirty="0" smtClean="0"/>
+                        <a:t>1st draft of the User guideline</a:t>
+                      </a:r>
+                      <a:endParaRPr lang="sv-SE" dirty="0"/>
+                    </a:p>
+                  </a:txBody>
+                  <a:tcPr/>
+                </a:tc>
+                <a:tc>
+                  <a:txBody>
+                    <a:bodyPr/>
+                    <a:lstStyle/>
+                    <a:p>
+                      <a:r>
+                        <a:rPr lang="sv-SE" dirty="0" smtClean="0"/>
+                        <a:t>In progress</a:t>
+                      </a:r>
+                      <a:endParaRPr lang="sv-SE" dirty="0"/>
+                    </a:p>
+                  </a:txBody>
+                  <a:tcPr/>
+                </a:tc>
+              </a:tr>
+            </a:tbl>
+          </a:graphicData>
+        </a:graphic>
+      </p:graphicFrame>
     </p:spTree>
   </p:cSld>
   <p:clrMapOvr>

--- a/trunk/DOCS/Presentations/27.04.2010.pptx
+++ b/trunk/DOCS/Presentations/27.04.2010.pptx
@@ -172,7 +172,7 @@
           <c:xMode val="edge"/>
           <c:yMode val="edge"/>
           <c:x val="0"/>
-          <c:y val="0.11359827304195684"/>
+          <c:y val="0.11359827304195688"/>
           <c:w val="0.62000578971746156"/>
           <c:h val="0.74711514321579364"/>
         </c:manualLayout>
@@ -267,7 +267,7 @@
           <c:xMode val="edge"/>
           <c:yMode val="edge"/>
           <c:x val="0.61730803870104467"/>
-          <c:y val="0.24526398874053801"/>
+          <c:y val="0.24526398874053804"/>
           <c:w val="0.36145013123359582"/>
           <c:h val="0.46929076800182584"/>
         </c:manualLayout>
@@ -295,7 +295,17 @@
   <c:lang val="sv-SE"/>
   <c:chart>
     <c:plotArea>
-      <c:layout/>
+      <c:layout>
+        <c:manualLayout>
+          <c:layoutTarget val="inner"/>
+          <c:xMode val="edge"/>
+          <c:yMode val="edge"/>
+          <c:x val="7.7277510450082632E-2"/>
+          <c:y val="5.3279489911870696E-2"/>
+          <c:w val="0.72559285992028777"/>
+          <c:h val="0.81574661569261608"/>
+        </c:manualLayout>
+      </c:layout>
       <c:lineChart>
         <c:grouping val="standard"/>
         <c:ser>
@@ -456,24 +466,24 @@
           </c:val>
         </c:ser>
         <c:marker val="1"/>
-        <c:axId val="38125568"/>
-        <c:axId val="38127104"/>
+        <c:axId val="97345920"/>
+        <c:axId val="97347456"/>
       </c:lineChart>
       <c:catAx>
-        <c:axId val="38125568"/>
+        <c:axId val="97345920"/>
         <c:scaling>
           <c:orientation val="minMax"/>
         </c:scaling>
         <c:axPos val="b"/>
         <c:tickLblPos val="nextTo"/>
-        <c:crossAx val="38127104"/>
+        <c:crossAx val="97347456"/>
         <c:crosses val="autoZero"/>
         <c:auto val="1"/>
         <c:lblAlgn val="ctr"/>
         <c:lblOffset val="100"/>
       </c:catAx>
       <c:valAx>
-        <c:axId val="38127104"/>
+        <c:axId val="97347456"/>
         <c:scaling>
           <c:orientation val="minMax"/>
         </c:scaling>
@@ -481,7 +491,7 @@
         <c:majorGridlines/>
         <c:numFmt formatCode="General" sourceLinked="1"/>
         <c:tickLblPos val="nextTo"/>
-        <c:crossAx val="38125568"/>
+        <c:crossAx val="97345920"/>
         <c:crosses val="autoZero"/>
         <c:crossBetween val="between"/>
       </c:valAx>
@@ -6370,7 +6380,15 @@
             <a:pPr eaLnBrk="1" hangingPunct="1"/>
             <a:r>
               <a:rPr lang="en-US" sz="2400" dirty="0" smtClean="0"/>
-              <a:t>Schedule indicators:</a:t>
+              <a:t>Schedule </a:t>
+            </a:r>
+            <a:r>
+              <a:rPr lang="en-US" sz="2400" dirty="0" smtClean="0"/>
+              <a:t>performance indicators</a:t>
+            </a:r>
+            <a:r>
+              <a:rPr lang="en-US" sz="2400" dirty="0" smtClean="0"/>
+              <a:t>:</a:t>
             </a:r>
           </a:p>
           <a:p>
@@ -6418,7 +6436,11 @@
             <a:pPr lvl="1" eaLnBrk="1" hangingPunct="1"/>
             <a:r>
               <a:rPr lang="en-US" sz="2000" b="1" i="1" u="sng" dirty="0" smtClean="0"/>
-              <a:t>So the project schedule indicator  </a:t>
+              <a:t>Project’s  </a:t>
+            </a:r>
+            <a:r>
+              <a:rPr lang="en-US" sz="2000" b="1" i="1" u="sng" dirty="0" smtClean="0"/>
+              <a:t>schedule indicator  </a:t>
             </a:r>
             <a:br>
               <a:rPr lang="en-US" sz="2000" b="1" i="1" u="sng" dirty="0" smtClean="0"/>
@@ -7851,13 +7873,8 @@
             <a:pPr eaLnBrk="1" hangingPunct="1"/>
             <a:r>
               <a:rPr lang="en-US" sz="2400" dirty="0" smtClean="0"/>
-              <a:t>Defect </a:t>
-            </a:r>
-            <a:r>
-              <a:rPr lang="en-US" sz="2400" dirty="0" smtClean="0"/>
-              <a:t>Tracking System</a:t>
-            </a:r>
-            <a:endParaRPr lang="en-US" sz="2400" dirty="0" smtClean="0"/>
+              <a:t>Defect Tracking System</a:t>
+            </a:r>
           </a:p>
           <a:p>
             <a:pPr eaLnBrk="1" hangingPunct="1"/>
@@ -10109,7 +10126,7 @@
           </p:nvPr>
         </p:nvGraphicFramePr>
         <p:xfrm>
-          <a:off x="457200" y="1600200"/>
+          <a:off x="457200" y="2057400"/>
           <a:ext cx="8229600" cy="4525963"/>
         </p:xfrm>
         <a:graphic>
@@ -10118,6 +10135,66 @@
           </a:graphicData>
         </a:graphic>
       </p:graphicFrame>
+      <p:sp>
+        <p:nvSpPr>
+          <p:cNvPr id="5" name="TextBox 4"/>
+          <p:cNvSpPr txBox="1"/>
+          <p:nvPr/>
+        </p:nvSpPr>
+        <p:spPr>
+          <a:xfrm>
+            <a:off x="762000" y="1828800"/>
+            <a:ext cx="533400" cy="369332"/>
+          </a:xfrm>
+          <a:prstGeom prst="rect">
+            <a:avLst/>
+          </a:prstGeom>
+          <a:noFill/>
+        </p:spPr>
+        <p:txBody>
+          <a:bodyPr wrap="square" rtlCol="0">
+            <a:spAutoFit/>
+          </a:bodyPr>
+          <a:lstStyle/>
+          <a:p>
+            <a:r>
+              <a:rPr lang="sv-SE" dirty="0" smtClean="0"/>
+              <a:t>%</a:t>
+            </a:r>
+            <a:endParaRPr lang="sv-SE" dirty="0"/>
+          </a:p>
+        </p:txBody>
+      </p:sp>
+      <p:sp>
+        <p:nvSpPr>
+          <p:cNvPr id="6" name="TextBox 5"/>
+          <p:cNvSpPr txBox="1"/>
+          <p:nvPr/>
+        </p:nvSpPr>
+        <p:spPr>
+          <a:xfrm>
+            <a:off x="7239000" y="5867400"/>
+            <a:ext cx="1371600" cy="369332"/>
+          </a:xfrm>
+          <a:prstGeom prst="rect">
+            <a:avLst/>
+          </a:prstGeom>
+          <a:noFill/>
+        </p:spPr>
+        <p:txBody>
+          <a:bodyPr wrap="square" rtlCol="0">
+            <a:spAutoFit/>
+          </a:bodyPr>
+          <a:lstStyle/>
+          <a:p>
+            <a:r>
+              <a:rPr lang="sv-SE" dirty="0" smtClean="0"/>
+              <a:t>Iterations</a:t>
+            </a:r>
+            <a:endParaRPr lang="sv-SE" dirty="0"/>
+          </a:p>
+        </p:txBody>
+      </p:sp>
     </p:spTree>
   </p:cSld>
   <p:clrMapOvr>

--- a/trunk/DOCS/Presentations/27.04.2010.pptx
+++ b/trunk/DOCS/Presentations/27.04.2010.pptx
@@ -172,7 +172,7 @@
           <c:xMode val="edge"/>
           <c:yMode val="edge"/>
           <c:x val="0"/>
-          <c:y val="0.11359827304195688"/>
+          <c:y val="0.11359827304195695"/>
           <c:w val="0.62000578971746156"/>
           <c:h val="0.74711514321579364"/>
         </c:manualLayout>
@@ -267,7 +267,7 @@
           <c:xMode val="edge"/>
           <c:yMode val="edge"/>
           <c:x val="0.61730803870104467"/>
-          <c:y val="0.24526398874053804"/>
+          <c:y val="0.24526398874053809"/>
           <c:w val="0.36145013123359582"/>
           <c:h val="0.46929076800182584"/>
         </c:manualLayout>
@@ -301,9 +301,9 @@
           <c:xMode val="edge"/>
           <c:yMode val="edge"/>
           <c:x val="7.7277510450082632E-2"/>
-          <c:y val="5.3279489911870696E-2"/>
+          <c:y val="5.3279489911870703E-2"/>
           <c:w val="0.72559285992028777"/>
-          <c:h val="0.81574661569261608"/>
+          <c:h val="0.81574661569261631"/>
         </c:manualLayout>
       </c:layout>
       <c:lineChart>
@@ -466,24 +466,24 @@
           </c:val>
         </c:ser>
         <c:marker val="1"/>
-        <c:axId val="97345920"/>
-        <c:axId val="97347456"/>
+        <c:axId val="88867584"/>
+        <c:axId val="88869120"/>
       </c:lineChart>
       <c:catAx>
-        <c:axId val="97345920"/>
+        <c:axId val="88867584"/>
         <c:scaling>
           <c:orientation val="minMax"/>
         </c:scaling>
         <c:axPos val="b"/>
         <c:tickLblPos val="nextTo"/>
-        <c:crossAx val="97347456"/>
+        <c:crossAx val="88869120"/>
         <c:crosses val="autoZero"/>
         <c:auto val="1"/>
         <c:lblAlgn val="ctr"/>
         <c:lblOffset val="100"/>
       </c:catAx>
       <c:valAx>
-        <c:axId val="97347456"/>
+        <c:axId val="88869120"/>
         <c:scaling>
           <c:orientation val="minMax"/>
         </c:scaling>
@@ -491,7 +491,7 @@
         <c:majorGridlines/>
         <c:numFmt formatCode="General" sourceLinked="1"/>
         <c:tickLblPos val="nextTo"/>
-        <c:crossAx val="97345920"/>
+        <c:crossAx val="88867584"/>
         <c:crosses val="autoZero"/>
         <c:crossBetween val="between"/>
       </c:valAx>
@@ -761,7 +761,7 @@
               <a:pPr>
                 <a:defRPr/>
               </a:pPr>
-              <a:t>4/26/2010</a:t>
+              <a:t>4/27/2010</a:t>
             </a:fld>
             <a:endParaRPr lang="en-US"/>
           </a:p>
@@ -2940,7 +2940,7 @@
               <a:pPr>
                 <a:defRPr/>
               </a:pPr>
-              <a:t>26/04/2010</a:t>
+              <a:t>27/04/2010</a:t>
             </a:fld>
             <a:endParaRPr lang="fr-CA"/>
           </a:p>
@@ -3132,7 +3132,7 @@
               <a:pPr>
                 <a:defRPr/>
               </a:pPr>
-              <a:t>26/04/2010</a:t>
+              <a:t>27/04/2010</a:t>
             </a:fld>
             <a:endParaRPr lang="fr-CA"/>
           </a:p>
@@ -3334,7 +3334,7 @@
               <a:pPr>
                 <a:defRPr/>
               </a:pPr>
-              <a:t>26/04/2010</a:t>
+              <a:t>27/04/2010</a:t>
             </a:fld>
             <a:endParaRPr lang="fr-CA"/>
           </a:p>
@@ -3526,7 +3526,7 @@
               <a:pPr>
                 <a:defRPr/>
               </a:pPr>
-              <a:t>26/04/2010</a:t>
+              <a:t>27/04/2010</a:t>
             </a:fld>
             <a:endParaRPr lang="fr-CA"/>
           </a:p>
@@ -3794,7 +3794,7 @@
               <a:pPr>
                 <a:defRPr/>
               </a:pPr>
-              <a:t>26/04/2010</a:t>
+              <a:t>27/04/2010</a:t>
             </a:fld>
             <a:endParaRPr lang="fr-CA"/>
           </a:p>
@@ -4104,7 +4104,7 @@
               <a:pPr>
                 <a:defRPr/>
               </a:pPr>
-              <a:t>26/04/2010</a:t>
+              <a:t>27/04/2010</a:t>
             </a:fld>
             <a:endParaRPr lang="fr-CA"/>
           </a:p>
@@ -4548,7 +4548,7 @@
               <a:pPr>
                 <a:defRPr/>
               </a:pPr>
-              <a:t>26/04/2010</a:t>
+              <a:t>27/04/2010</a:t>
             </a:fld>
             <a:endParaRPr lang="fr-CA"/>
           </a:p>
@@ -4688,7 +4688,7 @@
               <a:pPr>
                 <a:defRPr/>
               </a:pPr>
-              <a:t>26/04/2010</a:t>
+              <a:t>27/04/2010</a:t>
             </a:fld>
             <a:endParaRPr lang="fr-CA"/>
           </a:p>
@@ -4805,7 +4805,7 @@
               <a:pPr>
                 <a:defRPr/>
               </a:pPr>
-              <a:t>26/04/2010</a:t>
+              <a:t>27/04/2010</a:t>
             </a:fld>
             <a:endParaRPr lang="fr-CA"/>
           </a:p>
@@ -5104,7 +5104,7 @@
               <a:pPr>
                 <a:defRPr/>
               </a:pPr>
-              <a:t>26/04/2010</a:t>
+              <a:t>27/04/2010</a:t>
             </a:fld>
             <a:endParaRPr lang="fr-CA"/>
           </a:p>
@@ -5386,7 +5386,7 @@
               <a:pPr>
                 <a:defRPr/>
               </a:pPr>
-              <a:t>26/04/2010</a:t>
+              <a:t>27/04/2010</a:t>
             </a:fld>
             <a:endParaRPr lang="fr-CA"/>
           </a:p>
@@ -5643,7 +5643,7 @@
               <a:pPr>
                 <a:defRPr/>
               </a:pPr>
-              <a:t>26/04/2010</a:t>
+              <a:t>27/04/2010</a:t>
             </a:fld>
             <a:endParaRPr lang="fr-CA"/>
           </a:p>
@@ -6380,15 +6380,7 @@
             <a:pPr eaLnBrk="1" hangingPunct="1"/>
             <a:r>
               <a:rPr lang="en-US" sz="2400" dirty="0" smtClean="0"/>
-              <a:t>Schedule </a:t>
-            </a:r>
-            <a:r>
-              <a:rPr lang="en-US" sz="2400" dirty="0" smtClean="0"/>
-              <a:t>performance indicators</a:t>
-            </a:r>
-            <a:r>
-              <a:rPr lang="en-US" sz="2400" dirty="0" smtClean="0"/>
-              <a:t>:</a:t>
+              <a:t>Schedule performance indicators:</a:t>
             </a:r>
           </a:p>
           <a:p>
@@ -6436,11 +6428,7 @@
             <a:pPr lvl="1" eaLnBrk="1" hangingPunct="1"/>
             <a:r>
               <a:rPr lang="en-US" sz="2000" b="1" i="1" u="sng" dirty="0" smtClean="0"/>
-              <a:t>Project’s  </a:t>
-            </a:r>
-            <a:r>
-              <a:rPr lang="en-US" sz="2000" b="1" i="1" u="sng" dirty="0" smtClean="0"/>
-              <a:t>schedule indicator  </a:t>
+              <a:t>Project’s  schedule indicator  </a:t>
             </a:r>
             <a:br>
               <a:rPr lang="en-US" sz="2000" b="1" i="1" u="sng" dirty="0" smtClean="0"/>
@@ -6697,7 +6685,7 @@
           <a:p>
             <a:r>
               <a:rPr lang="en-US" b="1" dirty="0" smtClean="0"/>
-              <a:t>87%</a:t>
+              <a:t>92%</a:t>
             </a:r>
             <a:endParaRPr lang="en-US" b="1" dirty="0"/>
           </a:p>
@@ -9943,7 +9931,15 @@
                     <a:p>
                       <a:r>
                         <a:rPr lang="sv-SE" dirty="0" smtClean="0"/>
-                        <a:t>???</a:t>
+                        <a:t>22%</a:t>
+                      </a:r>
+                      <a:r>
+                        <a:rPr lang="sv-SE" baseline="0" dirty="0" smtClean="0"/>
+                        <a:t> is </a:t>
+                      </a:r>
+                      <a:r>
+                        <a:rPr lang="sv-SE" baseline="0" dirty="0" smtClean="0"/>
+                        <a:t>completed</a:t>
                       </a:r>
                       <a:endParaRPr lang="sv-SE" dirty="0"/>
                     </a:p>
@@ -9959,7 +9955,11 @@
                     <a:p>
                       <a:r>
                         <a:rPr lang="sv-SE" dirty="0" smtClean="0"/>
-                        <a:t>100% of test cases ???</a:t>
+                        <a:t>Test cases</a:t>
+                      </a:r>
+                      <a:r>
+                        <a:rPr lang="sv-SE" baseline="0" dirty="0" smtClean="0"/>
+                        <a:t> for functionality</a:t>
                       </a:r>
                       <a:endParaRPr lang="sv-SE" dirty="0"/>
                     </a:p>
@@ -9973,7 +9973,7 @@
                     <a:p>
                       <a:r>
                         <a:rPr lang="sv-SE" dirty="0" smtClean="0"/>
-                        <a:t>???</a:t>
+                        <a:t>Completed</a:t>
                       </a:r>
                       <a:endParaRPr lang="sv-SE" dirty="0"/>
                     </a:p>

--- a/trunk/DOCS/Presentations/27.04.2010.pptx
+++ b/trunk/DOCS/Presentations/27.04.2010.pptx
@@ -172,7 +172,7 @@
           <c:xMode val="edge"/>
           <c:yMode val="edge"/>
           <c:x val="0"/>
-          <c:y val="0.11359827304195695"/>
+          <c:y val="0.11359827304195699"/>
           <c:w val="0.62000578971746156"/>
           <c:h val="0.74711514321579364"/>
         </c:manualLayout>
@@ -267,7 +267,7 @@
           <c:xMode val="edge"/>
           <c:yMode val="edge"/>
           <c:x val="0.61730803870104467"/>
-          <c:y val="0.24526398874053809"/>
+          <c:y val="0.24526398874053812"/>
           <c:w val="0.36145013123359582"/>
           <c:h val="0.46929076800182584"/>
         </c:manualLayout>
@@ -303,7 +303,7 @@
           <c:x val="7.7277510450082632E-2"/>
           <c:y val="5.3279489911870703E-2"/>
           <c:w val="0.72559285992028777"/>
-          <c:h val="0.81574661569261631"/>
+          <c:h val="0.81574661569261642"/>
         </c:manualLayout>
       </c:layout>
       <c:lineChart>
@@ -466,32 +466,33 @@
           </c:val>
         </c:ser>
         <c:marker val="1"/>
-        <c:axId val="88867584"/>
-        <c:axId val="88869120"/>
+        <c:axId val="87819008"/>
+        <c:axId val="87820544"/>
       </c:lineChart>
       <c:catAx>
-        <c:axId val="88867584"/>
+        <c:axId val="87819008"/>
         <c:scaling>
           <c:orientation val="minMax"/>
         </c:scaling>
         <c:axPos val="b"/>
         <c:tickLblPos val="nextTo"/>
-        <c:crossAx val="88869120"/>
+        <c:crossAx val="87820544"/>
         <c:crosses val="autoZero"/>
         <c:auto val="1"/>
         <c:lblAlgn val="ctr"/>
         <c:lblOffset val="100"/>
       </c:catAx>
       <c:valAx>
-        <c:axId val="88869120"/>
+        <c:axId val="87820544"/>
         <c:scaling>
           <c:orientation val="minMax"/>
+          <c:max val="100"/>
         </c:scaling>
         <c:axPos val="l"/>
         <c:majorGridlines/>
         <c:numFmt formatCode="General" sourceLinked="1"/>
         <c:tickLblPos val="nextTo"/>
-        <c:crossAx val="88867584"/>
+        <c:crossAx val="87819008"/>
         <c:crosses val="autoZero"/>
         <c:crossBetween val="between"/>
       </c:valAx>
@@ -6691,6 +6692,54 @@
           </a:p>
         </p:txBody>
       </p:sp>
+      <p:sp>
+        <p:nvSpPr>
+          <p:cNvPr id="12" name="TextBox 11"/>
+          <p:cNvSpPr txBox="1"/>
+          <p:nvPr/>
+        </p:nvSpPr>
+        <p:spPr>
+          <a:xfrm>
+            <a:off x="5638800" y="2514600"/>
+            <a:ext cx="2895600" cy="1477328"/>
+          </a:xfrm>
+          <a:prstGeom prst="rect">
+            <a:avLst/>
+          </a:prstGeom>
+          <a:noFill/>
+        </p:spPr>
+        <p:txBody>
+          <a:bodyPr wrap="square" rtlCol="0">
+            <a:spAutoFit/>
+          </a:bodyPr>
+          <a:lstStyle/>
+          <a:p>
+            <a:r>
+              <a:rPr lang="sv-SE" dirty="0" smtClean="0"/>
+              <a:t>PV = 420</a:t>
+            </a:r>
+          </a:p>
+          <a:p>
+            <a:endParaRPr lang="sv-SE" dirty="0" smtClean="0"/>
+          </a:p>
+          <a:p>
+            <a:r>
+              <a:rPr lang="sv-SE" dirty="0" smtClean="0"/>
+              <a:t>EV = 386</a:t>
+            </a:r>
+          </a:p>
+          <a:p>
+            <a:endParaRPr lang="sv-SE" dirty="0" smtClean="0"/>
+          </a:p>
+          <a:p>
+            <a:r>
+              <a:rPr lang="sv-SE" dirty="0" smtClean="0"/>
+              <a:t>SPI = PV * 100 / EV</a:t>
+            </a:r>
+            <a:endParaRPr lang="sv-SE" dirty="0"/>
+          </a:p>
+        </p:txBody>
+      </p:sp>
     </p:spTree>
   </p:cSld>
   <p:clrMapOvr>
@@ -6955,7 +7004,11 @@
             <a:pPr eaLnBrk="1" hangingPunct="1"/>
             <a:r>
               <a:rPr lang="en-US" sz="2400" dirty="0" smtClean="0"/>
-              <a:t>Unavailability  of Rational tools</a:t>
+              <a:t>Unavailability </a:t>
+            </a:r>
+            <a:r>
+              <a:rPr lang="en-US" sz="2400" dirty="0" smtClean="0"/>
+              <a:t>of Rational tools</a:t>
             </a:r>
           </a:p>
           <a:p>
@@ -7091,8 +7144,13 @@
                   <a:schemeClr val="bg1"/>
                 </a:solidFill>
               </a:rPr>
-              <a:t>Defect Tracking System</a:t>
-            </a:r>
+              <a:t>Tools</a:t>
+            </a:r>
+            <a:endParaRPr lang="en-US" dirty="0" smtClean="0">
+              <a:solidFill>
+                <a:schemeClr val="bg1"/>
+              </a:solidFill>
+            </a:endParaRPr>
           </a:p>
         </p:txBody>
       </p:sp>
@@ -7128,10 +7186,70 @@
               <a:buNone/>
             </a:pPr>
             <a:r>
+              <a:rPr lang="en-US" sz="2400" dirty="0" err="1" smtClean="0"/>
+              <a:t>Assemla’s</a:t>
+            </a:r>
+            <a:r>
+              <a:rPr lang="en-US" sz="2400" dirty="0" smtClean="0"/>
+              <a:t> </a:t>
+            </a:r>
+            <a:r>
+              <a:rPr lang="en-US" sz="2400" dirty="0" err="1" smtClean="0"/>
+              <a:t>Trac</a:t>
+            </a:r>
+            <a:endParaRPr lang="en-US" sz="2400" dirty="0" smtClean="0">
+              <a:hlinkClick r:id="rId4"/>
+            </a:endParaRPr>
+          </a:p>
+          <a:p>
+            <a:pPr eaLnBrk="1" hangingPunct="1">
+              <a:buNone/>
+            </a:pPr>
+            <a:r>
               <a:rPr lang="en-US" sz="2400" dirty="0" smtClean="0">
                 <a:hlinkClick r:id="rId4"/>
               </a:rPr>
-              <a:t>http://trac6.assembla.com/apollogroup/report</a:t>
+              <a:t>http</a:t>
+            </a:r>
+            <a:r>
+              <a:rPr lang="en-US" sz="2400" dirty="0" smtClean="0">
+                <a:hlinkClick r:id="rId4"/>
+              </a:rPr>
+              <a:t>://</a:t>
+            </a:r>
+            <a:r>
+              <a:rPr lang="en-US" sz="2400" dirty="0" smtClean="0">
+                <a:hlinkClick r:id="rId4"/>
+              </a:rPr>
+              <a:t>trac6.assembla.com/apollogroup/report</a:t>
+            </a:r>
+            <a:endParaRPr lang="en-US" sz="2400" dirty="0" smtClean="0"/>
+          </a:p>
+          <a:p>
+            <a:pPr eaLnBrk="1" hangingPunct="1">
+              <a:buNone/>
+            </a:pPr>
+            <a:endParaRPr lang="en-US" sz="2400" dirty="0" smtClean="0"/>
+          </a:p>
+          <a:p>
+            <a:pPr eaLnBrk="1" hangingPunct="1">
+              <a:buNone/>
+            </a:pPr>
+            <a:r>
+              <a:rPr lang="en-US" sz="2400" dirty="0" err="1" smtClean="0"/>
+              <a:t>ComindWork</a:t>
+            </a:r>
+            <a:endParaRPr lang="en-US" sz="2400" dirty="0" smtClean="0"/>
+          </a:p>
+          <a:p>
+            <a:pPr eaLnBrk="1" hangingPunct="1">
+              <a:buNone/>
+            </a:pPr>
+            <a:r>
+              <a:rPr lang="en-US" sz="2400" dirty="0" smtClean="0">
+                <a:hlinkClick r:id="rId5"/>
+              </a:rPr>
+              <a:t>http://apollo.comindwork.com/web2.aspx/VMS/PROC/TASK/ACTIVETASKS</a:t>
             </a:r>
             <a:endParaRPr lang="en-US" sz="2400" dirty="0" smtClean="0"/>
           </a:p>
@@ -7232,8 +7350,21 @@
                   <a:schemeClr val="bg1"/>
                 </a:solidFill>
               </a:rPr>
-              <a:t>VMS in action</a:t>
-            </a:r>
+              <a:t>VMS in </a:t>
+            </a:r>
+            <a:r>
+              <a:rPr lang="en-US" dirty="0" smtClean="0">
+                <a:solidFill>
+                  <a:schemeClr val="bg1"/>
+                </a:solidFill>
+              </a:rPr>
+              <a:t>Action</a:t>
+            </a:r>
+            <a:endParaRPr lang="en-US" dirty="0" smtClean="0">
+              <a:solidFill>
+                <a:schemeClr val="bg1"/>
+              </a:solidFill>
+            </a:endParaRPr>
           </a:p>
         </p:txBody>
       </p:sp>
@@ -7269,9 +7400,7 @@
             <a:pPr eaLnBrk="1" hangingPunct="1">
               <a:buNone/>
             </a:pPr>
-            <a:endParaRPr lang="en-US" sz="2400" dirty="0" smtClean="0">
-              <a:hlinkClick r:id="rId4"/>
-            </a:endParaRPr>
+            <a:endParaRPr lang="en-US" sz="2400" dirty="0" smtClean="0"/>
           </a:p>
           <a:p>
             <a:pPr eaLnBrk="1" hangingPunct="1"/>
@@ -7279,7 +7408,7 @@
               <a:rPr lang="en-US" sz="2400" dirty="0" smtClean="0">
                 <a:hlinkClick r:id="rId4"/>
               </a:rPr>
-              <a:t>http://licrp.dnsalias.net/apollo/Incident.aspx?Action=Create</a:t>
+              <a:t>http://licrp.dnsalias.net/apollo/CrisisBoard.aspx</a:t>
             </a:r>
             <a:endParaRPr lang="en-US" sz="2400" dirty="0" smtClean="0"/>
           </a:p>
@@ -7293,8 +7422,13 @@
             </a:pPr>
             <a:r>
               <a:rPr lang="en-US" sz="2400" dirty="0" smtClean="0"/>
-              <a:t>Mobile application</a:t>
-            </a:r>
+              <a:t>Mobile </a:t>
+            </a:r>
+            <a:r>
+              <a:rPr lang="en-US" sz="2400" dirty="0" smtClean="0"/>
+              <a:t>Application</a:t>
+            </a:r>
+            <a:endParaRPr lang="en-US" sz="2400" dirty="0" smtClean="0"/>
           </a:p>
         </p:txBody>
       </p:sp>
@@ -7861,15 +7995,21 @@
             <a:pPr eaLnBrk="1" hangingPunct="1"/>
             <a:r>
               <a:rPr lang="en-US" sz="2400" dirty="0" smtClean="0"/>
-              <a:t>Defect Tracking System</a:t>
-            </a:r>
+              <a:t>Tools</a:t>
+            </a:r>
+            <a:endParaRPr lang="en-US" sz="2400" dirty="0" smtClean="0"/>
           </a:p>
           <a:p>
             <a:pPr eaLnBrk="1" hangingPunct="1"/>
             <a:r>
               <a:rPr lang="en-US" sz="2400" dirty="0" smtClean="0"/>
-              <a:t>VMS in action</a:t>
-            </a:r>
+              <a:t>VMS in </a:t>
+            </a:r>
+            <a:r>
+              <a:rPr lang="en-US" sz="2400" dirty="0" smtClean="0"/>
+              <a:t>Action</a:t>
+            </a:r>
+            <a:endParaRPr lang="en-US" sz="2400" dirty="0" smtClean="0"/>
           </a:p>
           <a:p>
             <a:pPr eaLnBrk="1" hangingPunct="1"/>
@@ -9935,11 +10075,7 @@
                       </a:r>
                       <a:r>
                         <a:rPr lang="sv-SE" baseline="0" dirty="0" smtClean="0"/>
-                        <a:t> is </a:t>
-                      </a:r>
-                      <a:r>
-                        <a:rPr lang="sv-SE" baseline="0" dirty="0" smtClean="0"/>
-                        <a:t>completed</a:t>
+                        <a:t> is completed</a:t>
                       </a:r>
                       <a:endParaRPr lang="sv-SE" dirty="0"/>
                     </a:p>
@@ -10081,8 +10217,21 @@
                   <a:schemeClr val="bg1"/>
                 </a:solidFill>
               </a:rPr>
-              <a:t>Development progress</a:t>
-            </a:r>
+              <a:t>Development </a:t>
+            </a:r>
+            <a:r>
+              <a:rPr lang="en-US" dirty="0" smtClean="0">
+                <a:solidFill>
+                  <a:schemeClr val="bg1"/>
+                </a:solidFill>
+              </a:rPr>
+              <a:t>Progress</a:t>
+            </a:r>
+            <a:endParaRPr lang="en-US" dirty="0" smtClean="0">
+              <a:solidFill>
+                <a:schemeClr val="bg1"/>
+              </a:solidFill>
+            </a:endParaRPr>
           </a:p>
         </p:txBody>
       </p:sp>
@@ -10126,7 +10275,7 @@
           </p:nvPr>
         </p:nvGraphicFramePr>
         <p:xfrm>
-          <a:off x="457200" y="2057400"/>
+          <a:off x="381000" y="1981200"/>
           <a:ext cx="8229600" cy="4525963"/>
         </p:xfrm>
         <a:graphic>
@@ -10143,7 +10292,7 @@
         </p:nvSpPr>
         <p:spPr>
           <a:xfrm>
-            <a:off x="762000" y="1828800"/>
+            <a:off x="838200" y="1828800"/>
             <a:ext cx="533400" cy="369332"/>
           </a:xfrm>
           <a:prstGeom prst="rect">
